--- a/09-Design Patterns.pptx
+++ b/09-Design Patterns.pptx
@@ -6021,7 +6021,6 @@
               <a:rPr lang="en-US" dirty="0" smtClean="0"/>
               <a:t>Coding Cleverly</a:t>
             </a:r>
-            <a:endParaRPr lang="en-US" dirty="0" smtClean="0"/>
           </a:p>
           <a:p>
             <a:endParaRPr lang="en-US" dirty="0"/>
@@ -6166,11 +6165,11 @@
   <p:clrMapOvr>
     <a:masterClrMapping/>
   </p:clrMapOvr>
-  <mc:AlternateContent xmlns:mc="http://schemas.openxmlformats.org/markup-compatibility/2006">
-    <mc:Choice xmlns:p14="http://schemas.microsoft.com/office/powerpoint/2010/main" Requires="p14">
+  <mc:AlternateContent xmlns:mc="http://schemas.openxmlformats.org/markup-compatibility/2006" xmlns:p14="http://schemas.microsoft.com/office/powerpoint/2010/main">
+    <mc:Choice Requires="p14">
       <p:transition p14:dur="0"/>
     </mc:Choice>
-    <mc:Fallback>
+    <mc:Fallback xmlns="">
       <p:transition/>
     </mc:Fallback>
   </mc:AlternateContent>
@@ -6288,11 +6287,11 @@
   <p:clrMapOvr>
     <a:masterClrMapping/>
   </p:clrMapOvr>
-  <mc:AlternateContent xmlns:mc="http://schemas.openxmlformats.org/markup-compatibility/2006">
-    <mc:Choice xmlns:p14="http://schemas.microsoft.com/office/powerpoint/2010/main" Requires="p14">
+  <mc:AlternateContent xmlns:mc="http://schemas.openxmlformats.org/markup-compatibility/2006" xmlns:p14="http://schemas.microsoft.com/office/powerpoint/2010/main">
+    <mc:Choice Requires="p14">
       <p:transition p14:dur="0"/>
     </mc:Choice>
-    <mc:Fallback>
+    <mc:Fallback xmlns="">
       <p:transition/>
     </mc:Fallback>
   </mc:AlternateContent>
@@ -6399,7 +6398,6 @@
               <a:rPr lang="en-CA" sz="3600" dirty="0" smtClean="0"/>
               <a:t> without cluttering code with many if else statements</a:t>
             </a:r>
-            <a:endParaRPr lang="en-CA" sz="3600" dirty="0" smtClean="0"/>
           </a:p>
           <a:p>
             <a:pPr marL="0" indent="0">
@@ -6425,11 +6423,11 @@
   <p:clrMapOvr>
     <a:masterClrMapping/>
   </p:clrMapOvr>
-  <mc:AlternateContent xmlns:mc="http://schemas.openxmlformats.org/markup-compatibility/2006">
-    <mc:Choice xmlns:p14="http://schemas.microsoft.com/office/powerpoint/2010/main" Requires="p14">
+  <mc:AlternateContent xmlns:mc="http://schemas.openxmlformats.org/markup-compatibility/2006" xmlns:p14="http://schemas.microsoft.com/office/powerpoint/2010/main">
+    <mc:Choice Requires="p14">
       <p:transition p14:dur="0"/>
     </mc:Choice>
-    <mc:Fallback>
+    <mc:Fallback xmlns="">
       <p:transition/>
     </mc:Fallback>
   </mc:AlternateContent>
@@ -6536,11 +6534,11 @@
   <p:clrMapOvr>
     <a:masterClrMapping/>
   </p:clrMapOvr>
-  <mc:AlternateContent xmlns:mc="http://schemas.openxmlformats.org/markup-compatibility/2006">
-    <mc:Choice xmlns:p14="http://schemas.microsoft.com/office/powerpoint/2010/main" Requires="p14">
+  <mc:AlternateContent xmlns:mc="http://schemas.openxmlformats.org/markup-compatibility/2006" xmlns:p14="http://schemas.microsoft.com/office/powerpoint/2010/main">
+    <mc:Choice Requires="p14">
       <p:transition p14:dur="0"/>
     </mc:Choice>
-    <mc:Fallback>
+    <mc:Fallback xmlns="">
       <p:transition/>
     </mc:Fallback>
   </mc:AlternateContent>
@@ -6630,11 +6628,11 @@
   <p:clrMapOvr>
     <a:masterClrMapping/>
   </p:clrMapOvr>
-  <mc:AlternateContent xmlns:mc="http://schemas.openxmlformats.org/markup-compatibility/2006">
-    <mc:Choice xmlns:p14="http://schemas.microsoft.com/office/powerpoint/2010/main" Requires="p14">
+  <mc:AlternateContent xmlns:mc="http://schemas.openxmlformats.org/markup-compatibility/2006" xmlns:p14="http://schemas.microsoft.com/office/powerpoint/2010/main">
+    <mc:Choice Requires="p14">
       <p:transition p14:dur="0"/>
     </mc:Choice>
-    <mc:Fallback>
+    <mc:Fallback xmlns="">
       <p:transition/>
     </mc:Fallback>
   </mc:AlternateContent>
@@ -6806,11 +6804,11 @@
   <p:clrMapOvr>
     <a:masterClrMapping/>
   </p:clrMapOvr>
-  <mc:AlternateContent xmlns:mc="http://schemas.openxmlformats.org/markup-compatibility/2006">
-    <mc:Choice xmlns:p14="http://schemas.microsoft.com/office/powerpoint/2010/main" Requires="p14">
+  <mc:AlternateContent xmlns:mc="http://schemas.openxmlformats.org/markup-compatibility/2006" xmlns:p14="http://schemas.microsoft.com/office/powerpoint/2010/main">
+    <mc:Choice Requires="p14">
       <p:transition p14:dur="0"/>
     </mc:Choice>
-    <mc:Fallback>
+    <mc:Fallback xmlns="">
       <p:transition/>
     </mc:Fallback>
   </mc:AlternateContent>
@@ -6917,11 +6915,11 @@
   <p:clrMapOvr>
     <a:masterClrMapping/>
   </p:clrMapOvr>
-  <mc:AlternateContent xmlns:mc="http://schemas.openxmlformats.org/markup-compatibility/2006">
-    <mc:Choice xmlns:p14="http://schemas.microsoft.com/office/powerpoint/2010/main" Requires="p14">
+  <mc:AlternateContent xmlns:mc="http://schemas.openxmlformats.org/markup-compatibility/2006" xmlns:p14="http://schemas.microsoft.com/office/powerpoint/2010/main">
+    <mc:Choice Requires="p14">
       <p:transition p14:dur="0"/>
     </mc:Choice>
-    <mc:Fallback>
+    <mc:Fallback xmlns="">
       <p:transition/>
     </mc:Fallback>
   </mc:AlternateContent>
@@ -7011,11 +7009,11 @@
   <p:clrMapOvr>
     <a:masterClrMapping/>
   </p:clrMapOvr>
-  <mc:AlternateContent xmlns:mc="http://schemas.openxmlformats.org/markup-compatibility/2006">
-    <mc:Choice xmlns:p14="http://schemas.microsoft.com/office/powerpoint/2010/main" Requires="p14">
+  <mc:AlternateContent xmlns:mc="http://schemas.openxmlformats.org/markup-compatibility/2006" xmlns:p14="http://schemas.microsoft.com/office/powerpoint/2010/main">
+    <mc:Choice Requires="p14">
       <p:transition p14:dur="0"/>
     </mc:Choice>
-    <mc:Fallback>
+    <mc:Fallback xmlns="">
       <p:transition/>
     </mc:Fallback>
   </mc:AlternateContent>
@@ -7134,7 +7132,6 @@
               <a:rPr lang="en-CA" sz="3600" dirty="0" smtClean="0"/>
               <a:t>?</a:t>
             </a:r>
-            <a:endParaRPr lang="en-CA" sz="3600" dirty="0" smtClean="0"/>
           </a:p>
           <a:p>
             <a:pPr marL="0" indent="0">
@@ -7160,11 +7157,11 @@
   <p:clrMapOvr>
     <a:masterClrMapping/>
   </p:clrMapOvr>
-  <mc:AlternateContent xmlns:mc="http://schemas.openxmlformats.org/markup-compatibility/2006">
-    <mc:Choice xmlns:p14="http://schemas.microsoft.com/office/powerpoint/2010/main" Requires="p14">
+  <mc:AlternateContent xmlns:mc="http://schemas.openxmlformats.org/markup-compatibility/2006" xmlns:p14="http://schemas.microsoft.com/office/powerpoint/2010/main">
+    <mc:Choice Requires="p14">
       <p:transition p14:dur="0"/>
     </mc:Choice>
-    <mc:Fallback>
+    <mc:Fallback xmlns="">
       <p:transition/>
     </mc:Fallback>
   </mc:AlternateContent>
@@ -7299,11 +7296,11 @@
   <p:clrMapOvr>
     <a:masterClrMapping/>
   </p:clrMapOvr>
-  <mc:AlternateContent xmlns:mc="http://schemas.openxmlformats.org/markup-compatibility/2006">
-    <mc:Choice xmlns:p14="http://schemas.microsoft.com/office/powerpoint/2010/main" Requires="p14">
+  <mc:AlternateContent xmlns:mc="http://schemas.openxmlformats.org/markup-compatibility/2006" xmlns:p14="http://schemas.microsoft.com/office/powerpoint/2010/main">
+    <mc:Choice Requires="p14">
       <p:transition p14:dur="0"/>
     </mc:Choice>
-    <mc:Fallback>
+    <mc:Fallback xmlns="">
       <p:transition/>
     </mc:Fallback>
   </mc:AlternateContent>
@@ -7369,7 +7366,9 @@
         </p:nvSpPr>
         <p:spPr/>
         <p:txBody>
-          <a:bodyPr/>
+          <a:bodyPr>
+            <a:normAutofit/>
+          </a:bodyPr>
           <a:lstStyle/>
           <a:p>
             <a:pPr marL="0" indent="0">
@@ -7377,15 +7376,7 @@
             </a:pPr>
             <a:r>
               <a:rPr lang="en-CA" sz="3600" dirty="0" smtClean="0"/>
-              <a:t>Design </a:t>
-            </a:r>
-            <a:r>
-              <a:rPr lang="en-CA" sz="3600" dirty="0" smtClean="0"/>
-              <a:t>patterns m</a:t>
-            </a:r>
-            <a:r>
-              <a:rPr lang="en-CA" sz="3600" dirty="0" smtClean="0"/>
-              <a:t>ake code :</a:t>
+              <a:t>Design patterns make code :</a:t>
             </a:r>
           </a:p>
           <a:p>
@@ -7441,9 +7432,42 @@
             </a:r>
             <a:r>
               <a:rPr lang="en-CA" sz="3600" dirty="0" smtClean="0"/>
-              <a:t> in the simplest way</a:t>
-            </a:r>
+              <a:t> in the simplest </a:t>
+            </a:r>
+            <a:r>
+              <a:rPr lang="en-CA" sz="3600" dirty="0" smtClean="0"/>
+              <a:t>way</a:t>
+            </a:r>
+          </a:p>
+          <a:p>
+            <a:pPr marL="256032" lvl="1" indent="0">
+              <a:buNone/>
+            </a:pPr>
+            <a:endParaRPr lang="en-CA" sz="3600" dirty="0"/>
+          </a:p>
+          <a:p>
+            <a:pPr marL="256032" lvl="1" indent="0">
+              <a:buNone/>
+            </a:pPr>
             <a:endParaRPr lang="en-CA" sz="3600" dirty="0" smtClean="0"/>
+          </a:p>
+          <a:p>
+            <a:pPr marL="256032" lvl="1" indent="0">
+              <a:buNone/>
+            </a:pPr>
+            <a:r>
+              <a:rPr lang="en-CA" sz="2800" b="1" u="sng" dirty="0" smtClean="0">
+                <a:solidFill>
+                  <a:srgbClr val="00B0F0"/>
+                </a:solidFill>
+              </a:rPr>
+              <a:t>See Repository for code examples!</a:t>
+            </a:r>
+            <a:endParaRPr lang="en-CA" sz="3600" b="1" u="sng" dirty="0" smtClean="0">
+              <a:solidFill>
+                <a:srgbClr val="00B0F0"/>
+              </a:solidFill>
+            </a:endParaRPr>
           </a:p>
           <a:p>
             <a:pPr marL="0" indent="0">
@@ -7608,11 +7632,11 @@
   <p:clrMapOvr>
     <a:masterClrMapping/>
   </p:clrMapOvr>
-  <mc:AlternateContent xmlns:mc="http://schemas.openxmlformats.org/markup-compatibility/2006">
-    <mc:Choice xmlns:p14="http://schemas.microsoft.com/office/powerpoint/2010/main" Requires="p14">
+  <mc:AlternateContent xmlns:mc="http://schemas.openxmlformats.org/markup-compatibility/2006" xmlns:p14="http://schemas.microsoft.com/office/powerpoint/2010/main">
+    <mc:Choice Requires="p14">
       <p:transition p14:dur="0"/>
     </mc:Choice>
-    <mc:Fallback>
+    <mc:Fallback xmlns="">
       <p:transition/>
     </mc:Fallback>
   </mc:AlternateContent>
@@ -7734,7 +7758,6 @@
               <a:rPr lang="en-CA" sz="3600" dirty="0" smtClean="0"/>
               <a:t>Bonus: if its created once only, can all other classes know and use this object?</a:t>
             </a:r>
-            <a:endParaRPr lang="en-CA" sz="3600" dirty="0" smtClean="0"/>
           </a:p>
           <a:p>
             <a:pPr marL="0" indent="0">
@@ -7760,11 +7783,11 @@
   <p:clrMapOvr>
     <a:masterClrMapping/>
   </p:clrMapOvr>
-  <mc:AlternateContent xmlns:mc="http://schemas.openxmlformats.org/markup-compatibility/2006">
-    <mc:Choice xmlns:p14="http://schemas.microsoft.com/office/powerpoint/2010/main" Requires="p14">
+  <mc:AlternateContent xmlns:mc="http://schemas.openxmlformats.org/markup-compatibility/2006" xmlns:p14="http://schemas.microsoft.com/office/powerpoint/2010/main">
+    <mc:Choice Requires="p14">
       <p:transition p14:dur="0"/>
     </mc:Choice>
-    <mc:Fallback>
+    <mc:Fallback xmlns="">
       <p:transition/>
     </mc:Fallback>
   </mc:AlternateContent>
@@ -7899,11 +7922,11 @@
   <p:clrMapOvr>
     <a:masterClrMapping/>
   </p:clrMapOvr>
-  <mc:AlternateContent xmlns:mc="http://schemas.openxmlformats.org/markup-compatibility/2006">
-    <mc:Choice xmlns:p14="http://schemas.microsoft.com/office/powerpoint/2010/main" Requires="p14">
+  <mc:AlternateContent xmlns:mc="http://schemas.openxmlformats.org/markup-compatibility/2006" xmlns:p14="http://schemas.microsoft.com/office/powerpoint/2010/main">
+    <mc:Choice Requires="p14">
       <p:transition p14:dur="0"/>
     </mc:Choice>
-    <mc:Fallback>
+    <mc:Fallback xmlns="">
       <p:transition/>
     </mc:Fallback>
   </mc:AlternateContent>
@@ -7991,7 +8014,6 @@
               <a:rPr lang="en-CA" sz="3200" dirty="0" smtClean="0"/>
               <a:t>Add a static instance of the class</a:t>
             </a:r>
-            <a:endParaRPr lang="en-CA" sz="3200" dirty="0" smtClean="0"/>
           </a:p>
           <a:p>
             <a:pPr marL="514350" indent="-514350">
@@ -8012,7 +8034,6 @@
               <a:rPr lang="en-CA" sz="3200" dirty="0" smtClean="0"/>
               <a:t>Make a static getter method for the instance</a:t>
             </a:r>
-            <a:endParaRPr lang="en-CA" sz="3200" dirty="0" smtClean="0"/>
           </a:p>
           <a:p>
             <a:pPr marL="0" indent="0">
@@ -8032,11 +8053,11 @@
   <p:clrMapOvr>
     <a:masterClrMapping/>
   </p:clrMapOvr>
-  <mc:AlternateContent xmlns:mc="http://schemas.openxmlformats.org/markup-compatibility/2006">
-    <mc:Choice xmlns:p14="http://schemas.microsoft.com/office/powerpoint/2010/main" Requires="p14">
+  <mc:AlternateContent xmlns:mc="http://schemas.openxmlformats.org/markup-compatibility/2006" xmlns:p14="http://schemas.microsoft.com/office/powerpoint/2010/main">
+    <mc:Choice Requires="p14">
       <p:transition p14:dur="0"/>
     </mc:Choice>
-    <mc:Fallback>
+    <mc:Fallback xmlns="">
       <p:transition/>
     </mc:Fallback>
   </mc:AlternateContent>
@@ -8131,7 +8152,6 @@
               <a:rPr lang="en-CA" sz="3600" dirty="0" smtClean="0"/>
               <a:t>How can we hide complexity of a class?</a:t>
             </a:r>
-            <a:endParaRPr lang="en-CA" sz="3600" dirty="0" smtClean="0"/>
           </a:p>
           <a:p>
             <a:pPr marL="0" indent="0">
@@ -8157,11 +8177,11 @@
   <p:clrMapOvr>
     <a:masterClrMapping/>
   </p:clrMapOvr>
-  <mc:AlternateContent xmlns:mc="http://schemas.openxmlformats.org/markup-compatibility/2006">
-    <mc:Choice xmlns:p14="http://schemas.microsoft.com/office/powerpoint/2010/main" Requires="p14">
+  <mc:AlternateContent xmlns:mc="http://schemas.openxmlformats.org/markup-compatibility/2006" xmlns:p14="http://schemas.microsoft.com/office/powerpoint/2010/main">
+    <mc:Choice Requires="p14">
       <p:transition p14:dur="0"/>
     </mc:Choice>
-    <mc:Fallback>
+    <mc:Fallback xmlns="">
       <p:transition/>
     </mc:Fallback>
   </mc:AlternateContent>
@@ -8296,11 +8316,11 @@
   <p:clrMapOvr>
     <a:masterClrMapping/>
   </p:clrMapOvr>
-  <mc:AlternateContent xmlns:mc="http://schemas.openxmlformats.org/markup-compatibility/2006">
-    <mc:Choice xmlns:p14="http://schemas.microsoft.com/office/powerpoint/2010/main" Requires="p14">
+  <mc:AlternateContent xmlns:mc="http://schemas.openxmlformats.org/markup-compatibility/2006" xmlns:p14="http://schemas.microsoft.com/office/powerpoint/2010/main">
+    <mc:Choice Requires="p14">
       <p:transition p14:dur="0"/>
     </mc:Choice>
-    <mc:Fallback>
+    <mc:Fallback xmlns="">
       <p:transition/>
     </mc:Fallback>
   </mc:AlternateContent>
@@ -8418,11 +8438,11 @@
   <p:clrMapOvr>
     <a:masterClrMapping/>
   </p:clrMapOvr>
-  <mc:AlternateContent xmlns:mc="http://schemas.openxmlformats.org/markup-compatibility/2006">
-    <mc:Choice xmlns:p14="http://schemas.microsoft.com/office/powerpoint/2010/main" Requires="p14">
+  <mc:AlternateContent xmlns:mc="http://schemas.openxmlformats.org/markup-compatibility/2006" xmlns:p14="http://schemas.microsoft.com/office/powerpoint/2010/main">
+    <mc:Choice Requires="p14">
       <p:transition p14:dur="0"/>
     </mc:Choice>
-    <mc:Fallback>
+    <mc:Fallback xmlns="">
       <p:transition/>
     </mc:Fallback>
   </mc:AlternateContent>
@@ -8651,11 +8671,6 @@
               </a:rPr>
               <a:t>constructors</a:t>
             </a:r>
-            <a:endParaRPr lang="en-CA" sz="3200" b="1" dirty="0" smtClean="0">
-              <a:solidFill>
-                <a:srgbClr val="00B050"/>
-              </a:solidFill>
-            </a:endParaRPr>
           </a:p>
           <a:p>
             <a:pPr marL="0" indent="0">
@@ -9052,7 +9067,6 @@
               <a:rPr lang="en-CA" sz="3600" dirty="0" smtClean="0"/>
               <a:t> on Facebook</a:t>
             </a:r>
-            <a:endParaRPr lang="en-CA" sz="3600" dirty="0" smtClean="0"/>
           </a:p>
           <a:p>
             <a:pPr marL="0" indent="0">
@@ -9078,11 +9092,11 @@
   <p:clrMapOvr>
     <a:masterClrMapping/>
   </p:clrMapOvr>
-  <mc:AlternateContent xmlns:mc="http://schemas.openxmlformats.org/markup-compatibility/2006">
-    <mc:Choice xmlns:p14="http://schemas.microsoft.com/office/powerpoint/2010/main" Requires="p14">
+  <mc:AlternateContent xmlns:mc="http://schemas.openxmlformats.org/markup-compatibility/2006" xmlns:p14="http://schemas.microsoft.com/office/powerpoint/2010/main">
+    <mc:Choice Requires="p14">
       <p:transition p14:dur="0"/>
     </mc:Choice>
-    <mc:Fallback>
+    <mc:Fallback xmlns="">
       <p:transition/>
     </mc:Fallback>
   </mc:AlternateContent>
@@ -9204,11 +9218,11 @@
   <p:clrMapOvr>
     <a:masterClrMapping/>
   </p:clrMapOvr>
-  <mc:AlternateContent xmlns:mc="http://schemas.openxmlformats.org/markup-compatibility/2006">
-    <mc:Choice xmlns:p14="http://schemas.microsoft.com/office/powerpoint/2010/main" Requires="p14">
+  <mc:AlternateContent xmlns:mc="http://schemas.openxmlformats.org/markup-compatibility/2006" xmlns:p14="http://schemas.microsoft.com/office/powerpoint/2010/main">
+    <mc:Choice Requires="p14">
       <p:transition p14:dur="0"/>
     </mc:Choice>
-    <mc:Fallback>
+    <mc:Fallback xmlns="">
       <p:transition/>
     </mc:Fallback>
   </mc:AlternateContent>
@@ -9584,11 +9598,11 @@
   <p:clrMapOvr>
     <a:masterClrMapping/>
   </p:clrMapOvr>
-  <mc:AlternateContent xmlns:mc="http://schemas.openxmlformats.org/markup-compatibility/2006">
-    <mc:Choice xmlns:p14="http://schemas.microsoft.com/office/powerpoint/2010/main" Requires="p14">
+  <mc:AlternateContent xmlns:mc="http://schemas.openxmlformats.org/markup-compatibility/2006" xmlns:p14="http://schemas.microsoft.com/office/powerpoint/2010/main">
+    <mc:Choice Requires="p14">
       <p:transition p14:dur="0"/>
     </mc:Choice>
-    <mc:Fallback>
+    <mc:Fallback xmlns="">
       <p:transition/>
     </mc:Fallback>
   </mc:AlternateContent>
@@ -9704,11 +9718,11 @@
   <p:clrMapOvr>
     <a:masterClrMapping/>
   </p:clrMapOvr>
-  <mc:AlternateContent xmlns:mc="http://schemas.openxmlformats.org/markup-compatibility/2006">
-    <mc:Choice xmlns:p14="http://schemas.microsoft.com/office/powerpoint/2010/main" Requires="p14">
+  <mc:AlternateContent xmlns:mc="http://schemas.openxmlformats.org/markup-compatibility/2006" xmlns:p14="http://schemas.microsoft.com/office/powerpoint/2010/main">
+    <mc:Choice Requires="p14">
       <p:transition p14:dur="0"/>
     </mc:Choice>
-    <mc:Fallback>
+    <mc:Fallback xmlns="">
       <p:transition/>
     </mc:Fallback>
   </mc:AlternateContent>
@@ -9843,7 +9857,6 @@
               <a:rPr lang="en-CA" sz="3600" dirty="0" smtClean="0"/>
               <a:t>at different times</a:t>
             </a:r>
-            <a:endParaRPr lang="en-CA" sz="3600" dirty="0" smtClean="0"/>
           </a:p>
           <a:p>
             <a:pPr marL="0" indent="0">
@@ -9869,11 +9882,11 @@
   <p:clrMapOvr>
     <a:masterClrMapping/>
   </p:clrMapOvr>
-  <mc:AlternateContent xmlns:mc="http://schemas.openxmlformats.org/markup-compatibility/2006">
-    <mc:Choice xmlns:p14="http://schemas.microsoft.com/office/powerpoint/2010/main" Requires="p14">
+  <mc:AlternateContent xmlns:mc="http://schemas.openxmlformats.org/markup-compatibility/2006" xmlns:p14="http://schemas.microsoft.com/office/powerpoint/2010/main">
+    <mc:Choice Requires="p14">
       <p:transition p14:dur="0"/>
     </mc:Choice>
-    <mc:Fallback>
+    <mc:Fallback xmlns="">
       <p:transition/>
     </mc:Fallback>
   </mc:AlternateContent>
@@ -10386,18 +10399,18 @@
 </file>
 
 <file path=customXml/item1.xml><?xml version="1.0" encoding="utf-8"?>
-<p:properties xmlns:p="http://schemas.microsoft.com/office/2006/metadata/properties" xmlns:xsi="http://www.w3.org/2001/XMLSchema-instance" xmlns:pc="http://schemas.microsoft.com/office/infopath/2007/PartnerControls">
-  <documentManagement/>
-</p:properties>
-</file>
-
-<file path=customXml/item2.xml><?xml version="1.0" encoding="utf-8"?>
 <?mso-contentType ?>
 <FormTemplates xmlns="http://schemas.microsoft.com/sharepoint/v3/contenttype/forms">
   <Display>DocumentLibraryForm</Display>
   <Edit>DocumentLibraryForm</Edit>
   <New>DocumentLibraryForm</New>
 </FormTemplates>
+</file>
+
+<file path=customXml/item2.xml><?xml version="1.0" encoding="utf-8"?>
+<p:properties xmlns:p="http://schemas.microsoft.com/office/2006/metadata/properties" xmlns:xsi="http://www.w3.org/2001/XMLSchema-instance" xmlns:pc="http://schemas.microsoft.com/office/infopath/2007/PartnerControls">
+  <documentManagement/>
+</p:properties>
 </file>
 
 <file path=customXml/item3.xml><?xml version="1.0" encoding="utf-8"?>
@@ -10515,6 +10528,14 @@
 </file>
 
 <file path=customXml/itemProps1.xml><?xml version="1.0" encoding="utf-8"?>
+<ds:datastoreItem xmlns:ds="http://schemas.openxmlformats.org/officeDocument/2006/customXml" ds:itemID="{76B64549-C1F2-49EA-8B2D-5EF61BF1CE56}">
+  <ds:schemaRefs>
+    <ds:schemaRef ds:uri="http://schemas.microsoft.com/sharepoint/v3/contenttype/forms"/>
+  </ds:schemaRefs>
+</ds:datastoreItem>
+</file>
+
+<file path=customXml/itemProps2.xml><?xml version="1.0" encoding="utf-8"?>
 <ds:datastoreItem xmlns:ds="http://schemas.openxmlformats.org/officeDocument/2006/customXml" ds:itemID="{FF71E0A8-DA6F-4DC5-84AA-9AE90625C277}">
   <ds:schemaRefs>
     <ds:schemaRef ds:uri="http://www.w3.org/XML/1998/namespace"/>
@@ -10525,14 +10546,6 @@
     <ds:schemaRef ds:uri="http://schemas.microsoft.com/office/2006/documentManagement/types"/>
     <ds:schemaRef ds:uri="http://purl.org/dc/elements/1.1/"/>
     <ds:schemaRef ds:uri="http://schemas.microsoft.com/office/2006/metadata/properties"/>
-  </ds:schemaRefs>
-</ds:datastoreItem>
-</file>
-
-<file path=customXml/itemProps2.xml><?xml version="1.0" encoding="utf-8"?>
-<ds:datastoreItem xmlns:ds="http://schemas.openxmlformats.org/officeDocument/2006/customXml" ds:itemID="{76B64549-C1F2-49EA-8B2D-5EF61BF1CE56}">
-  <ds:schemaRefs>
-    <ds:schemaRef ds:uri="http://schemas.microsoft.com/sharepoint/v3/contenttype/forms"/>
   </ds:schemaRefs>
 </ds:datastoreItem>
 </file>
